--- a/projectB/day09/slides/projectB-day09.pptx
+++ b/projectB/day09/slides/projectB-day09.pptx
@@ -111,6 +111,11 @@
       </a:defRPr>
     </a:lvl9pPr>
   </p:defaultTextStyle>
+  <p:extLst>
+    <p:ext uri="{EFAFB233-063F-42B5-8137-9DF3F51BA10A}">
+      <p15:sldGuideLst xmlns:p15="http://schemas.microsoft.com/office/powerpoint/2012/main"/>
+    </p:ext>
+  </p:extLst>
 </p:presentation>
 </file>
 
@@ -261,7 +266,7 @@
           <a:p>
             <a:fld id="{145CC9E0-135A-394F-AC2E-09309BED7B64}" type="datetimeFigureOut">
               <a:rPr lang="en-US" smtClean="0"/>
-              <a:t>6/17/25</a:t>
+              <a:t>7/17/25</a:t>
             </a:fld>
             <a:endParaRPr lang="en-US"/>
           </a:p>
@@ -459,7 +464,7 @@
           <a:p>
             <a:fld id="{145CC9E0-135A-394F-AC2E-09309BED7B64}" type="datetimeFigureOut">
               <a:rPr lang="en-US" smtClean="0"/>
-              <a:t>6/17/25</a:t>
+              <a:t>7/17/25</a:t>
             </a:fld>
             <a:endParaRPr lang="en-US"/>
           </a:p>
@@ -667,7 +672,7 @@
           <a:p>
             <a:fld id="{145CC9E0-135A-394F-AC2E-09309BED7B64}" type="datetimeFigureOut">
               <a:rPr lang="en-US" smtClean="0"/>
-              <a:t>6/17/25</a:t>
+              <a:t>7/17/25</a:t>
             </a:fld>
             <a:endParaRPr lang="en-US"/>
           </a:p>
@@ -865,7 +870,7 @@
           <a:p>
             <a:fld id="{145CC9E0-135A-394F-AC2E-09309BED7B64}" type="datetimeFigureOut">
               <a:rPr lang="en-US" smtClean="0"/>
-              <a:t>6/17/25</a:t>
+              <a:t>7/17/25</a:t>
             </a:fld>
             <a:endParaRPr lang="en-US"/>
           </a:p>
@@ -1140,7 +1145,7 @@
           <a:p>
             <a:fld id="{145CC9E0-135A-394F-AC2E-09309BED7B64}" type="datetimeFigureOut">
               <a:rPr lang="en-US" smtClean="0"/>
-              <a:t>6/17/25</a:t>
+              <a:t>7/17/25</a:t>
             </a:fld>
             <a:endParaRPr lang="en-US"/>
           </a:p>
@@ -1405,7 +1410,7 @@
           <a:p>
             <a:fld id="{145CC9E0-135A-394F-AC2E-09309BED7B64}" type="datetimeFigureOut">
               <a:rPr lang="en-US" smtClean="0"/>
-              <a:t>6/17/25</a:t>
+              <a:t>7/17/25</a:t>
             </a:fld>
             <a:endParaRPr lang="en-US"/>
           </a:p>
@@ -1817,7 +1822,7 @@
           <a:p>
             <a:fld id="{145CC9E0-135A-394F-AC2E-09309BED7B64}" type="datetimeFigureOut">
               <a:rPr lang="en-US" smtClean="0"/>
-              <a:t>6/17/25</a:t>
+              <a:t>7/17/25</a:t>
             </a:fld>
             <a:endParaRPr lang="en-US"/>
           </a:p>
@@ -1958,7 +1963,7 @@
           <a:p>
             <a:fld id="{145CC9E0-135A-394F-AC2E-09309BED7B64}" type="datetimeFigureOut">
               <a:rPr lang="en-US" smtClean="0"/>
-              <a:t>6/17/25</a:t>
+              <a:t>7/17/25</a:t>
             </a:fld>
             <a:endParaRPr lang="en-US"/>
           </a:p>
@@ -2071,7 +2076,7 @@
           <a:p>
             <a:fld id="{145CC9E0-135A-394F-AC2E-09309BED7B64}" type="datetimeFigureOut">
               <a:rPr lang="en-US" smtClean="0"/>
-              <a:t>6/17/25</a:t>
+              <a:t>7/17/25</a:t>
             </a:fld>
             <a:endParaRPr lang="en-US"/>
           </a:p>
@@ -2382,7 +2387,7 @@
           <a:p>
             <a:fld id="{145CC9E0-135A-394F-AC2E-09309BED7B64}" type="datetimeFigureOut">
               <a:rPr lang="en-US" smtClean="0"/>
-              <a:t>6/17/25</a:t>
+              <a:t>7/17/25</a:t>
             </a:fld>
             <a:endParaRPr lang="en-US"/>
           </a:p>
@@ -2670,7 +2675,7 @@
           <a:p>
             <a:fld id="{145CC9E0-135A-394F-AC2E-09309BED7B64}" type="datetimeFigureOut">
               <a:rPr lang="en-US" smtClean="0"/>
-              <a:t>6/17/25</a:t>
+              <a:t>7/17/25</a:t>
             </a:fld>
             <a:endParaRPr lang="en-US"/>
           </a:p>
@@ -2911,7 +2916,7 @@
           <a:p>
             <a:fld id="{145CC9E0-135A-394F-AC2E-09309BED7B64}" type="datetimeFigureOut">
               <a:rPr lang="en-US" smtClean="0"/>
-              <a:t>6/17/25</a:t>
+              <a:t>7/17/25</a:t>
             </a:fld>
             <a:endParaRPr lang="en-US"/>
           </a:p>
@@ -4107,7 +4112,7 @@
               <a:t>ChIP</a:t>
             </a:r>
             <a:r>
-              <a:rPr lang="en-US" sz="3200" b="1" dirty="0">
+              <a:rPr lang="en-US" sz="3200" b="1">
                 <a:solidFill>
                   <a:schemeClr val="tx1">
                     <a:lumMod val="65000"/>
@@ -4121,7 +4126,7 @@
               <a:t> peak</a:t>
             </a:r>
             <a:r>
-              <a:rPr lang="en-US" sz="3200" dirty="0">
+              <a:rPr lang="en-US" sz="3200">
                 <a:solidFill>
                   <a:schemeClr val="tx1">
                     <a:lumMod val="65000"/>
@@ -4132,36 +4137,19 @@
                 <a:ea typeface="Helvetica Neue" panose="02000503000000020004" pitchFamily="2" charset="0"/>
                 <a:cs typeface="Helvetica Neue" panose="02000503000000020004" pitchFamily="2" charset="0"/>
               </a:rPr>
-              <a:t> in their </a:t>
-            </a:r>
-            <a:r>
-              <a:rPr lang="en-US" sz="3200" b="1" dirty="0">
-                <a:solidFill>
-                  <a:schemeClr val="tx1">
-                    <a:lumMod val="65000"/>
-                    <a:lumOff val="35000"/>
-                  </a:schemeClr>
-                </a:solidFill>
-                <a:latin typeface="Helvetica Neue" panose="02000503000000020004" pitchFamily="2" charset="0"/>
-                <a:ea typeface="Helvetica Neue" panose="02000503000000020004" pitchFamily="2" charset="0"/>
-                <a:cs typeface="Helvetica Neue" panose="02000503000000020004" pitchFamily="2" charset="0"/>
-              </a:rPr>
-              <a:t>promoter</a:t>
-            </a:r>
-            <a:r>
-              <a:rPr lang="en-US" sz="3200" dirty="0">
-                <a:solidFill>
-                  <a:schemeClr val="tx1">
-                    <a:lumMod val="65000"/>
-                    <a:lumOff val="35000"/>
-                  </a:schemeClr>
-                </a:solidFill>
-                <a:latin typeface="Helvetica Neue" panose="02000503000000020004" pitchFamily="2" charset="0"/>
-                <a:ea typeface="Helvetica Neue" panose="02000503000000020004" pitchFamily="2" charset="0"/>
-                <a:cs typeface="Helvetica Neue" panose="02000503000000020004" pitchFamily="2" charset="0"/>
-              </a:rPr>
               <a:t>?</a:t>
             </a:r>
+            <a:endParaRPr lang="en-US" sz="3200" dirty="0">
+              <a:solidFill>
+                <a:schemeClr val="tx1">
+                  <a:lumMod val="65000"/>
+                  <a:lumOff val="35000"/>
+                </a:schemeClr>
+              </a:solidFill>
+              <a:latin typeface="Helvetica Neue" panose="02000503000000020004" pitchFamily="2" charset="0"/>
+              <a:ea typeface="Helvetica Neue" panose="02000503000000020004" pitchFamily="2" charset="0"/>
+              <a:cs typeface="Helvetica Neue" panose="02000503000000020004" pitchFamily="2" charset="0"/>
+            </a:endParaRPr>
           </a:p>
           <a:p>
             <a:endParaRPr lang="en-US" sz="3200" dirty="0">
